--- a/Documentazione/Install/PresentazioneProgetto.pptx
+++ b/Documentazione/Install/PresentazioneProgetto.pptx
@@ -124,6 +124,11 @@
       </a:defRPr>
     </a:lvl9pPr>
   </p:defaultTextStyle>
+  <p:extLst>
+    <p:ext uri="{EFAFB233-063F-42B5-8137-9DF3F51BA10A}">
+      <p15:sldGuideLst xmlns:p15="http://schemas.microsoft.com/office/powerpoint/2012/main"/>
+    </p:ext>
+  </p:extLst>
 </p:presentation>
 </file>
 
@@ -312,7 +317,7 @@
           <a:p>
             <a:fld id="{14C74B90-4851-4541-8FEC-E7AAE4710B73}" type="datetimeFigureOut">
               <a:rPr lang="it-IT" smtClean="0"/>
-              <a:t>29/04/2021</a:t>
+              <a:t>18/05/2021</a:t>
             </a:fld>
             <a:endParaRPr lang="it-IT"/>
           </a:p>
@@ -610,7 +615,7 @@
           <a:p>
             <a:fld id="{14C74B90-4851-4541-8FEC-E7AAE4710B73}" type="datetimeFigureOut">
               <a:rPr lang="it-IT" smtClean="0"/>
-              <a:t>29/04/2021</a:t>
+              <a:t>18/05/2021</a:t>
             </a:fld>
             <a:endParaRPr lang="it-IT"/>
           </a:p>
@@ -802,7 +807,7 @@
           <a:p>
             <a:fld id="{14C74B90-4851-4541-8FEC-E7AAE4710B73}" type="datetimeFigureOut">
               <a:rPr lang="it-IT" smtClean="0"/>
-              <a:t>29/04/2021</a:t>
+              <a:t>18/05/2021</a:t>
             </a:fld>
             <a:endParaRPr lang="it-IT"/>
           </a:p>
@@ -1063,7 +1068,7 @@
           <a:p>
             <a:fld id="{14C74B90-4851-4541-8FEC-E7AAE4710B73}" type="datetimeFigureOut">
               <a:rPr lang="it-IT" smtClean="0"/>
-              <a:t>29/04/2021</a:t>
+              <a:t>18/05/2021</a:t>
             </a:fld>
             <a:endParaRPr lang="it-IT"/>
           </a:p>
@@ -1487,7 +1492,7 @@
           <a:p>
             <a:fld id="{14C74B90-4851-4541-8FEC-E7AAE4710B73}" type="datetimeFigureOut">
               <a:rPr lang="it-IT" smtClean="0"/>
-              <a:t>29/04/2021</a:t>
+              <a:t>18/05/2021</a:t>
             </a:fld>
             <a:endParaRPr lang="it-IT"/>
           </a:p>
@@ -2024,7 +2029,7 @@
           <a:p>
             <a:fld id="{14C74B90-4851-4541-8FEC-E7AAE4710B73}" type="datetimeFigureOut">
               <a:rPr lang="it-IT" smtClean="0"/>
-              <a:t>29/04/2021</a:t>
+              <a:t>18/05/2021</a:t>
             </a:fld>
             <a:endParaRPr lang="it-IT"/>
           </a:p>
@@ -2888,7 +2893,7 @@
           <a:p>
             <a:fld id="{14C74B90-4851-4541-8FEC-E7AAE4710B73}" type="datetimeFigureOut">
               <a:rPr lang="it-IT" smtClean="0"/>
-              <a:t>29/04/2021</a:t>
+              <a:t>18/05/2021</a:t>
             </a:fld>
             <a:endParaRPr lang="it-IT"/>
           </a:p>
@@ -3058,7 +3063,7 @@
           <a:p>
             <a:fld id="{14C74B90-4851-4541-8FEC-E7AAE4710B73}" type="datetimeFigureOut">
               <a:rPr lang="it-IT" smtClean="0"/>
-              <a:t>29/04/2021</a:t>
+              <a:t>18/05/2021</a:t>
             </a:fld>
             <a:endParaRPr lang="it-IT"/>
           </a:p>
@@ -3242,7 +3247,7 @@
           <a:p>
             <a:fld id="{14C74B90-4851-4541-8FEC-E7AAE4710B73}" type="datetimeFigureOut">
               <a:rPr lang="it-IT" smtClean="0"/>
-              <a:t>29/04/2021</a:t>
+              <a:t>18/05/2021</a:t>
             </a:fld>
             <a:endParaRPr lang="it-IT"/>
           </a:p>
@@ -3412,7 +3417,7 @@
           <a:p>
             <a:fld id="{14C74B90-4851-4541-8FEC-E7AAE4710B73}" type="datetimeFigureOut">
               <a:rPr lang="it-IT" smtClean="0"/>
-              <a:t>29/04/2021</a:t>
+              <a:t>18/05/2021</a:t>
             </a:fld>
             <a:endParaRPr lang="it-IT"/>
           </a:p>
@@ -3656,7 +3661,7 @@
           <a:p>
             <a:fld id="{14C74B90-4851-4541-8FEC-E7AAE4710B73}" type="datetimeFigureOut">
               <a:rPr lang="it-IT" smtClean="0"/>
-              <a:t>29/04/2021</a:t>
+              <a:t>18/05/2021</a:t>
             </a:fld>
             <a:endParaRPr lang="it-IT"/>
           </a:p>
@@ -3892,7 +3897,7 @@
           <a:p>
             <a:fld id="{14C74B90-4851-4541-8FEC-E7AAE4710B73}" type="datetimeFigureOut">
               <a:rPr lang="it-IT" smtClean="0"/>
-              <a:t>29/04/2021</a:t>
+              <a:t>18/05/2021</a:t>
             </a:fld>
             <a:endParaRPr lang="it-IT"/>
           </a:p>
@@ -4358,7 +4363,7 @@
           <a:p>
             <a:fld id="{14C74B90-4851-4541-8FEC-E7AAE4710B73}" type="datetimeFigureOut">
               <a:rPr lang="it-IT" smtClean="0"/>
-              <a:t>29/04/2021</a:t>
+              <a:t>18/05/2021</a:t>
             </a:fld>
             <a:endParaRPr lang="it-IT"/>
           </a:p>
@@ -4476,7 +4481,7 @@
           <a:p>
             <a:fld id="{14C74B90-4851-4541-8FEC-E7AAE4710B73}" type="datetimeFigureOut">
               <a:rPr lang="it-IT" smtClean="0"/>
-              <a:t>29/04/2021</a:t>
+              <a:t>18/05/2021</a:t>
             </a:fld>
             <a:endParaRPr lang="it-IT"/>
           </a:p>
@@ -4571,7 +4576,7 @@
           <a:p>
             <a:fld id="{14C74B90-4851-4541-8FEC-E7AAE4710B73}" type="datetimeFigureOut">
               <a:rPr lang="it-IT" smtClean="0"/>
-              <a:t>29/04/2021</a:t>
+              <a:t>18/05/2021</a:t>
             </a:fld>
             <a:endParaRPr lang="it-IT"/>
           </a:p>
@@ -4826,7 +4831,7 @@
           <a:p>
             <a:fld id="{14C74B90-4851-4541-8FEC-E7AAE4710B73}" type="datetimeFigureOut">
               <a:rPr lang="it-IT" smtClean="0"/>
-              <a:t>29/04/2021</a:t>
+              <a:t>18/05/2021</a:t>
             </a:fld>
             <a:endParaRPr lang="it-IT"/>
           </a:p>
@@ -5126,7 +5131,7 @@
           <a:p>
             <a:fld id="{14C74B90-4851-4541-8FEC-E7AAE4710B73}" type="datetimeFigureOut">
               <a:rPr lang="it-IT" smtClean="0"/>
-              <a:t>29/04/2021</a:t>
+              <a:t>18/05/2021</a:t>
             </a:fld>
             <a:endParaRPr lang="it-IT"/>
           </a:p>
@@ -5360,7 +5365,7 @@
           <a:p>
             <a:fld id="{14C74B90-4851-4541-8FEC-E7AAE4710B73}" type="datetimeFigureOut">
               <a:rPr lang="it-IT" smtClean="0"/>
-              <a:t>29/04/2021</a:t>
+              <a:t>18/05/2021</a:t>
             </a:fld>
             <a:endParaRPr lang="it-IT"/>
           </a:p>
@@ -6100,13 +6105,13 @@
   <p:clrMapOvr>
     <a:masterClrMapping/>
   </p:clrMapOvr>
-  <mc:AlternateContent xmlns:mc="http://schemas.openxmlformats.org/markup-compatibility/2006">
-    <mc:Choice xmlns:p14="http://schemas.microsoft.com/office/powerpoint/2010/main" Requires="p14">
+  <mc:AlternateContent xmlns:mc="http://schemas.openxmlformats.org/markup-compatibility/2006" xmlns:p14="http://schemas.microsoft.com/office/powerpoint/2010/main">
+    <mc:Choice Requires="p14">
       <p:transition spd="slow" p14:dur="1600">
         <p14:conveyor dir="l"/>
       </p:transition>
     </mc:Choice>
-    <mc:Fallback>
+    <mc:Fallback xmlns="">
       <p:transition spd="slow">
         <p:fade/>
       </p:transition>
@@ -6259,13 +6264,13 @@
   <p:clrMapOvr>
     <a:masterClrMapping/>
   </p:clrMapOvr>
-  <mc:AlternateContent xmlns:mc="http://schemas.openxmlformats.org/markup-compatibility/2006">
-    <mc:Choice xmlns:p14="http://schemas.microsoft.com/office/powerpoint/2010/main" Requires="p14">
+  <mc:AlternateContent xmlns:mc="http://schemas.openxmlformats.org/markup-compatibility/2006" xmlns:p14="http://schemas.microsoft.com/office/powerpoint/2010/main">
+    <mc:Choice Requires="p14">
       <p:transition spd="slow" p14:dur="1600">
         <p14:conveyor dir="l"/>
       </p:transition>
     </mc:Choice>
-    <mc:Fallback>
+    <mc:Fallback xmlns="">
       <p:transition spd="slow">
         <p:fade/>
       </p:transition>
@@ -6499,13 +6504,13 @@
   <p:clrMapOvr>
     <a:masterClrMapping/>
   </p:clrMapOvr>
-  <mc:AlternateContent xmlns:mc="http://schemas.openxmlformats.org/markup-compatibility/2006">
-    <mc:Choice xmlns:p14="http://schemas.microsoft.com/office/powerpoint/2010/main" Requires="p14">
+  <mc:AlternateContent xmlns:mc="http://schemas.openxmlformats.org/markup-compatibility/2006" xmlns:p14="http://schemas.microsoft.com/office/powerpoint/2010/main">
+    <mc:Choice Requires="p14">
       <p:transition spd="slow" p14:dur="1600">
         <p14:conveyor dir="l"/>
       </p:transition>
     </mc:Choice>
-    <mc:Fallback>
+    <mc:Fallback xmlns="">
       <p:transition spd="slow">
         <p:fade/>
       </p:transition>
@@ -6782,13 +6787,13 @@
   <p:clrMapOvr>
     <a:masterClrMapping/>
   </p:clrMapOvr>
-  <mc:AlternateContent xmlns:mc="http://schemas.openxmlformats.org/markup-compatibility/2006">
-    <mc:Choice xmlns:p14="http://schemas.microsoft.com/office/powerpoint/2010/main" Requires="p14">
+  <mc:AlternateContent xmlns:mc="http://schemas.openxmlformats.org/markup-compatibility/2006" xmlns:p14="http://schemas.microsoft.com/office/powerpoint/2010/main">
+    <mc:Choice Requires="p14">
       <p:transition spd="slow" p14:dur="1600">
         <p14:conveyor dir="l"/>
       </p:transition>
     </mc:Choice>
-    <mc:Fallback>
+    <mc:Fallback xmlns="">
       <p:transition spd="slow">
         <p:fade/>
       </p:transition>
@@ -6970,13 +6975,13 @@
   <p:clrMapOvr>
     <a:masterClrMapping/>
   </p:clrMapOvr>
-  <mc:AlternateContent xmlns:mc="http://schemas.openxmlformats.org/markup-compatibility/2006">
-    <mc:Choice xmlns:p14="http://schemas.microsoft.com/office/powerpoint/2010/main" Requires="p14">
+  <mc:AlternateContent xmlns:mc="http://schemas.openxmlformats.org/markup-compatibility/2006" xmlns:p14="http://schemas.microsoft.com/office/powerpoint/2010/main">
+    <mc:Choice Requires="p14">
       <p:transition spd="slow" p14:dur="1600">
         <p14:conveyor dir="l"/>
       </p:transition>
     </mc:Choice>
-    <mc:Fallback>
+    <mc:Fallback xmlns="">
       <p:transition spd="slow">
         <p:fade/>
       </p:transition>
@@ -7129,13 +7134,13 @@
   <p:clrMapOvr>
     <a:masterClrMapping/>
   </p:clrMapOvr>
-  <mc:AlternateContent xmlns:mc="http://schemas.openxmlformats.org/markup-compatibility/2006">
-    <mc:Choice xmlns:p14="http://schemas.microsoft.com/office/powerpoint/2010/main" Requires="p14">
+  <mc:AlternateContent xmlns:mc="http://schemas.openxmlformats.org/markup-compatibility/2006" xmlns:p14="http://schemas.microsoft.com/office/powerpoint/2010/main">
+    <mc:Choice Requires="p14">
       <p:transition spd="slow" p14:dur="1600">
         <p14:conveyor dir="l"/>
       </p:transition>
     </mc:Choice>
-    <mc:Fallback>
+    <mc:Fallback xmlns="">
       <p:transition spd="slow">
         <p:fade/>
       </p:transition>
@@ -7352,13 +7357,13 @@
   <p:clrMapOvr>
     <a:masterClrMapping/>
   </p:clrMapOvr>
-  <mc:AlternateContent xmlns:mc="http://schemas.openxmlformats.org/markup-compatibility/2006">
-    <mc:Choice xmlns:p14="http://schemas.microsoft.com/office/powerpoint/2010/main" Requires="p14">
+  <mc:AlternateContent xmlns:mc="http://schemas.openxmlformats.org/markup-compatibility/2006" xmlns:p14="http://schemas.microsoft.com/office/powerpoint/2010/main">
+    <mc:Choice Requires="p14">
       <p:transition spd="slow" p14:dur="1600">
         <p14:conveyor dir="l"/>
       </p:transition>
     </mc:Choice>
-    <mc:Fallback>
+    <mc:Fallback xmlns="">
       <p:transition spd="slow">
         <p:fade/>
       </p:transition>
@@ -7407,7 +7412,7 @@
           <a:p>
             <a:r>
               <a:rPr lang="it-IT" dirty="0"/>
-              <a:t>Visualizza persone in azienda</a:t>
+              <a:t>Visualizza meeting futuri</a:t>
             </a:r>
           </a:p>
         </p:txBody>
@@ -7487,13 +7492,13 @@
   <p:clrMapOvr>
     <a:masterClrMapping/>
   </p:clrMapOvr>
-  <mc:AlternateContent xmlns:mc="http://schemas.openxmlformats.org/markup-compatibility/2006">
-    <mc:Choice xmlns:p14="http://schemas.microsoft.com/office/powerpoint/2010/main" Requires="p14">
+  <mc:AlternateContent xmlns:mc="http://schemas.openxmlformats.org/markup-compatibility/2006" xmlns:p14="http://schemas.microsoft.com/office/powerpoint/2010/main">
+    <mc:Choice Requires="p14">
       <p:transition spd="slow" p14:dur="1600">
         <p14:conveyor dir="l"/>
       </p:transition>
     </mc:Choice>
-    <mc:Fallback>
+    <mc:Fallback xmlns="">
       <p:transition spd="slow">
         <p:fade/>
       </p:transition>
@@ -7541,9 +7546,10 @@
           <a:lstStyle/>
           <a:p>
             <a:r>
-              <a:rPr lang="it-IT" dirty="0"/>
-              <a:t>Visualizza persone in azienda</a:t>
-            </a:r>
+              <a:rPr lang="it-IT"/>
+              <a:t>Visualizza log</a:t>
+            </a:r>
+            <a:endParaRPr lang="it-IT" dirty="0"/>
           </a:p>
         </p:txBody>
       </p:sp>
@@ -7622,13 +7628,13 @@
   <p:clrMapOvr>
     <a:masterClrMapping/>
   </p:clrMapOvr>
-  <mc:AlternateContent xmlns:mc="http://schemas.openxmlformats.org/markup-compatibility/2006">
-    <mc:Choice xmlns:p14="http://schemas.microsoft.com/office/powerpoint/2010/main" Requires="p14">
+  <mc:AlternateContent xmlns:mc="http://schemas.openxmlformats.org/markup-compatibility/2006" xmlns:p14="http://schemas.microsoft.com/office/powerpoint/2010/main">
+    <mc:Choice Requires="p14">
       <p:transition spd="slow" p14:dur="1600">
         <p14:conveyor dir="l"/>
       </p:transition>
     </mc:Choice>
-    <mc:Fallback>
+    <mc:Fallback xmlns="">
       <p:transition spd="slow">
         <p:fade/>
       </p:transition>
@@ -7808,13 +7814,13 @@
   <p:clrMapOvr>
     <a:masterClrMapping/>
   </p:clrMapOvr>
-  <mc:AlternateContent xmlns:mc="http://schemas.openxmlformats.org/markup-compatibility/2006">
-    <mc:Choice xmlns:p14="http://schemas.microsoft.com/office/powerpoint/2010/main" Requires="p14">
+  <mc:AlternateContent xmlns:mc="http://schemas.openxmlformats.org/markup-compatibility/2006" xmlns:p14="http://schemas.microsoft.com/office/powerpoint/2010/main">
+    <mc:Choice Requires="p14">
       <p:transition spd="slow" p14:dur="1600">
         <p14:conveyor dir="l"/>
       </p:transition>
     </mc:Choice>
-    <mc:Fallback>
+    <mc:Fallback xmlns="">
       <p:transition spd="slow">
         <p:fade/>
       </p:transition>
@@ -8048,13 +8054,13 @@
   <p:clrMapOvr>
     <a:masterClrMapping/>
   </p:clrMapOvr>
-  <mc:AlternateContent xmlns:mc="http://schemas.openxmlformats.org/markup-compatibility/2006">
-    <mc:Choice xmlns:p14="http://schemas.microsoft.com/office/powerpoint/2010/main" Requires="p14">
+  <mc:AlternateContent xmlns:mc="http://schemas.openxmlformats.org/markup-compatibility/2006" xmlns:p14="http://schemas.microsoft.com/office/powerpoint/2010/main">
+    <mc:Choice Requires="p14">
       <p:transition spd="slow" p14:dur="1600">
         <p14:conveyor dir="l"/>
       </p:transition>
     </mc:Choice>
-    <mc:Fallback>
+    <mc:Fallback xmlns="">
       <p:transition spd="slow">
         <p:fade/>
       </p:transition>
@@ -8387,13 +8393,13 @@
   <p:clrMapOvr>
     <a:masterClrMapping/>
   </p:clrMapOvr>
-  <mc:AlternateContent xmlns:mc="http://schemas.openxmlformats.org/markup-compatibility/2006">
-    <mc:Choice xmlns:p14="http://schemas.microsoft.com/office/powerpoint/2010/main" Requires="p14">
+  <mc:AlternateContent xmlns:mc="http://schemas.openxmlformats.org/markup-compatibility/2006" xmlns:p14="http://schemas.microsoft.com/office/powerpoint/2010/main">
+    <mc:Choice Requires="p14">
       <p:transition spd="slow" p14:dur="1600">
         <p14:conveyor dir="l"/>
       </p:transition>
     </mc:Choice>
-    <mc:Fallback>
+    <mc:Fallback xmlns="">
       <p:transition spd="slow">
         <p:fade/>
       </p:transition>
@@ -8589,13 +8595,13 @@
   <p:clrMapOvr>
     <a:masterClrMapping/>
   </p:clrMapOvr>
-  <mc:AlternateContent xmlns:mc="http://schemas.openxmlformats.org/markup-compatibility/2006">
-    <mc:Choice xmlns:p14="http://schemas.microsoft.com/office/powerpoint/2010/main" Requires="p14">
+  <mc:AlternateContent xmlns:mc="http://schemas.openxmlformats.org/markup-compatibility/2006" xmlns:p14="http://schemas.microsoft.com/office/powerpoint/2010/main">
+    <mc:Choice Requires="p14">
       <p:transition spd="slow" p14:dur="1600">
         <p14:conveyor dir="l"/>
       </p:transition>
     </mc:Choice>
-    <mc:Fallback>
+    <mc:Fallback xmlns="">
       <p:transition spd="slow">
         <p:fade/>
       </p:transition>
@@ -9012,13 +9018,13 @@
   <p:clrMapOvr>
     <a:masterClrMapping/>
   </p:clrMapOvr>
-  <mc:AlternateContent xmlns:mc="http://schemas.openxmlformats.org/markup-compatibility/2006">
-    <mc:Choice xmlns:p14="http://schemas.microsoft.com/office/powerpoint/2010/main" Requires="p14">
+  <mc:AlternateContent xmlns:mc="http://schemas.openxmlformats.org/markup-compatibility/2006" xmlns:p14="http://schemas.microsoft.com/office/powerpoint/2010/main">
+    <mc:Choice Requires="p14">
       <p:transition spd="slow" p14:dur="1600">
         <p14:conveyor dir="l"/>
       </p:transition>
     </mc:Choice>
-    <mc:Fallback>
+    <mc:Fallback xmlns="">
       <p:transition spd="slow">
         <p:fade/>
       </p:transition>
@@ -9089,13 +9095,13 @@
   <p:clrMapOvr>
     <a:masterClrMapping/>
   </p:clrMapOvr>
-  <mc:AlternateContent xmlns:mc="http://schemas.openxmlformats.org/markup-compatibility/2006">
-    <mc:Choice xmlns:p14="http://schemas.microsoft.com/office/powerpoint/2010/main" Requires="p14">
+  <mc:AlternateContent xmlns:mc="http://schemas.openxmlformats.org/markup-compatibility/2006" xmlns:p14="http://schemas.microsoft.com/office/powerpoint/2010/main">
+    <mc:Choice Requires="p14">
       <p:transition spd="slow" p14:dur="1600">
         <p14:conveyor dir="l"/>
       </p:transition>
     </mc:Choice>
-    <mc:Fallback>
+    <mc:Fallback xmlns="">
       <p:transition spd="slow">
         <p:fade/>
       </p:transition>
@@ -9240,13 +9246,13 @@
   <p:clrMapOvr>
     <a:masterClrMapping/>
   </p:clrMapOvr>
-  <mc:AlternateContent xmlns:mc="http://schemas.openxmlformats.org/markup-compatibility/2006">
-    <mc:Choice xmlns:p14="http://schemas.microsoft.com/office/powerpoint/2010/main" Requires="p14">
+  <mc:AlternateContent xmlns:mc="http://schemas.openxmlformats.org/markup-compatibility/2006" xmlns:p14="http://schemas.microsoft.com/office/powerpoint/2010/main">
+    <mc:Choice Requires="p14">
       <p:transition spd="slow" p14:dur="1600">
         <p14:conveyor dir="l"/>
       </p:transition>
     </mc:Choice>
-    <mc:Fallback>
+    <mc:Fallback xmlns="">
       <p:transition spd="slow">
         <p:fade/>
       </p:transition>
@@ -9406,13 +9412,13 @@
   <p:clrMapOvr>
     <a:masterClrMapping/>
   </p:clrMapOvr>
-  <mc:AlternateContent xmlns:mc="http://schemas.openxmlformats.org/markup-compatibility/2006">
-    <mc:Choice xmlns:p14="http://schemas.microsoft.com/office/powerpoint/2010/main" Requires="p14">
+  <mc:AlternateContent xmlns:mc="http://schemas.openxmlformats.org/markup-compatibility/2006" xmlns:p14="http://schemas.microsoft.com/office/powerpoint/2010/main">
+    <mc:Choice Requires="p14">
       <p:transition spd="slow" p14:dur="1600">
         <p14:conveyor dir="l"/>
       </p:transition>
     </mc:Choice>
-    <mc:Fallback>
+    <mc:Fallback xmlns="">
       <p:transition spd="slow">
         <p:fade/>
       </p:transition>
@@ -9505,13 +9511,13 @@
   <p:clrMapOvr>
     <a:masterClrMapping/>
   </p:clrMapOvr>
-  <mc:AlternateContent xmlns:mc="http://schemas.openxmlformats.org/markup-compatibility/2006">
-    <mc:Choice xmlns:p14="http://schemas.microsoft.com/office/powerpoint/2010/main" Requires="p14">
+  <mc:AlternateContent xmlns:mc="http://schemas.openxmlformats.org/markup-compatibility/2006" xmlns:p14="http://schemas.microsoft.com/office/powerpoint/2010/main">
+    <mc:Choice Requires="p14">
       <p:transition spd="slow" p14:dur="1600">
         <p14:conveyor dir="l"/>
       </p:transition>
     </mc:Choice>
-    <mc:Fallback>
+    <mc:Fallback xmlns="">
       <p:transition spd="slow">
         <p:fade/>
       </p:transition>
@@ -9582,13 +9588,13 @@
   <p:clrMapOvr>
     <a:masterClrMapping/>
   </p:clrMapOvr>
-  <mc:AlternateContent xmlns:mc="http://schemas.openxmlformats.org/markup-compatibility/2006">
-    <mc:Choice xmlns:p14="http://schemas.microsoft.com/office/powerpoint/2010/main" Requires="p14">
+  <mc:AlternateContent xmlns:mc="http://schemas.openxmlformats.org/markup-compatibility/2006" xmlns:p14="http://schemas.microsoft.com/office/powerpoint/2010/main">
+    <mc:Choice Requires="p14">
       <p:transition spd="slow" p14:dur="1600">
         <p14:conveyor dir="l"/>
       </p:transition>
     </mc:Choice>
-    <mc:Fallback>
+    <mc:Fallback xmlns="">
       <p:transition spd="slow">
         <p:fade/>
       </p:transition>
@@ -9681,13 +9687,13 @@
   <p:clrMapOvr>
     <a:masterClrMapping/>
   </p:clrMapOvr>
-  <mc:AlternateContent xmlns:mc="http://schemas.openxmlformats.org/markup-compatibility/2006">
-    <mc:Choice xmlns:p14="http://schemas.microsoft.com/office/powerpoint/2010/main" Requires="p14">
+  <mc:AlternateContent xmlns:mc="http://schemas.openxmlformats.org/markup-compatibility/2006" xmlns:p14="http://schemas.microsoft.com/office/powerpoint/2010/main">
+    <mc:Choice Requires="p14">
       <p:transition spd="slow" p14:dur="1600">
         <p14:conveyor dir="l"/>
       </p:transition>
     </mc:Choice>
-    <mc:Fallback>
+    <mc:Fallback xmlns="">
       <p:transition spd="slow">
         <p:fade/>
       </p:transition>
